--- a/TPB test calibration/TPB test.pptx
+++ b/TPB test calibration/TPB test.pptx
@@ -112,6 +112,11 @@
       </a:defRPr>
     </a:lvl9pPr>
   </p:defaultTextStyle>
+  <p:extLst>
+    <p:ext uri="{EFAFB233-063F-42B5-8137-9DF3F51BA10A}">
+      <p15:sldGuideLst xmlns:p15="http://schemas.microsoft.com/office/powerpoint/2012/main"/>
+    </p:ext>
+  </p:extLst>
 </p:presentation>
 </file>
 
@@ -3857,7 +3862,7 @@
         <p:spPr>
           <a:xfrm>
             <a:off x="1698171" y="4273420"/>
-            <a:ext cx="3178628" cy="1477328"/>
+            <a:ext cx="3178628" cy="1754326"/>
           </a:xfrm>
           <a:prstGeom prst="rect">
             <a:avLst/>
@@ -3897,6 +3902,12 @@
             <a:r>
               <a:rPr lang="en-US" dirty="0"/>
               <a:t>Notch width = 4 mm</a:t>
+            </a:r>
+          </a:p>
+          <a:p>
+            <a:r>
+              <a:rPr lang="en-US" dirty="0"/>
+              <a:t>u = 5mm/s</a:t>
             </a:r>
           </a:p>
         </p:txBody>
@@ -4410,8 +4421,8 @@
           <a:chExt cx="0" cy="0"/>
         </a:xfrm>
       </p:grpSpPr>
-      <mc:AlternateContent xmlns:mc="http://schemas.openxmlformats.org/markup-compatibility/2006">
-        <mc:Choice xmlns:a14="http://schemas.microsoft.com/office/drawing/2010/main" Requires="a14">
+      <mc:AlternateContent xmlns:mc="http://schemas.openxmlformats.org/markup-compatibility/2006" xmlns:a14="http://schemas.microsoft.com/office/drawing/2010/main">
+        <mc:Choice Requires="a14">
           <p:sp>
             <p:nvSpPr>
               <p:cNvPr id="5" name="TextBox 4">
@@ -4558,7 +4569,7 @@
             </p:txBody>
           </p:sp>
         </mc:Choice>
-        <mc:Fallback>
+        <mc:Fallback xmlns="">
           <p:sp>
             <p:nvSpPr>
               <p:cNvPr id="5" name="TextBox 4">
@@ -4693,8 +4704,8 @@
           <a:chExt cx="0" cy="0"/>
         </a:xfrm>
       </p:grpSpPr>
-      <mc:AlternateContent xmlns:mc="http://schemas.openxmlformats.org/markup-compatibility/2006">
-        <mc:Choice xmlns:a14="http://schemas.microsoft.com/office/drawing/2010/main" Requires="a14">
+      <mc:AlternateContent xmlns:mc="http://schemas.openxmlformats.org/markup-compatibility/2006" xmlns:a14="http://schemas.microsoft.com/office/drawing/2010/main">
+        <mc:Choice Requires="a14">
           <p:sp>
             <p:nvSpPr>
               <p:cNvPr id="5" name="TextBox 4">
@@ -4847,7 +4858,7 @@
             </p:txBody>
           </p:sp>
         </mc:Choice>
-        <mc:Fallback>
+        <mc:Fallback xmlns="">
           <p:sp>
             <p:nvSpPr>
               <p:cNvPr id="5" name="TextBox 4">

--- a/TPB test calibration/TPB test.pptx
+++ b/TPB test calibration/TPB test.pptx
@@ -5,7 +5,7 @@
     <p:sldMasterId id="2147483648" r:id="rId1"/>
   </p:sldMasterIdLst>
   <p:notesMasterIdLst>
-    <p:notesMasterId r:id="rId8"/>
+    <p:notesMasterId r:id="rId9"/>
   </p:notesMasterIdLst>
   <p:sldIdLst>
     <p:sldId id="258" r:id="rId2"/>
@@ -14,6 +14,7 @@
     <p:sldId id="260" r:id="rId5"/>
     <p:sldId id="261" r:id="rId6"/>
     <p:sldId id="257" r:id="rId7"/>
+    <p:sldId id="263" r:id="rId8"/>
   </p:sldIdLst>
   <p:sldSz cx="12192000" cy="6858000"/>
   <p:notesSz cx="6858000" cy="9144000"/>
@@ -5403,6 +5404,96 @@
     <p:extLst>
       <p:ext uri="{BB962C8B-B14F-4D97-AF65-F5344CB8AC3E}">
         <p14:creationId xmlns:p14="http://schemas.microsoft.com/office/powerpoint/2010/main" val="216665640"/>
+      </p:ext>
+    </p:extLst>
+  </p:cSld>
+  <p:clrMapOvr>
+    <a:masterClrMapping/>
+  </p:clrMapOvr>
+</p:sld>
+</file>
+
+<file path=ppt/slides/slide7.xml><?xml version="1.0" encoding="utf-8"?>
+<p:sld xmlns:a="http://schemas.openxmlformats.org/drawingml/2006/main" xmlns:r="http://schemas.openxmlformats.org/officeDocument/2006/relationships" xmlns:p="http://schemas.openxmlformats.org/presentationml/2006/main">
+  <p:cSld>
+    <p:spTree>
+      <p:nvGrpSpPr>
+        <p:cNvPr id="1" name=""/>
+        <p:cNvGrpSpPr/>
+        <p:nvPr/>
+      </p:nvGrpSpPr>
+      <p:grpSpPr>
+        <a:xfrm>
+          <a:off x="0" y="0"/>
+          <a:ext cx="0" cy="0"/>
+          <a:chOff x="0" y="0"/>
+          <a:chExt cx="0" cy="0"/>
+        </a:xfrm>
+      </p:grpSpPr>
+      <p:pic>
+        <p:nvPicPr>
+          <p:cNvPr id="6" name="Picture 5">
+            <a:extLst>
+              <a:ext uri="{FF2B5EF4-FFF2-40B4-BE49-F238E27FC236}">
+                <a16:creationId xmlns:a16="http://schemas.microsoft.com/office/drawing/2014/main" id="{2C5A2083-CEE9-80AC-639C-7D8815CB6268}"/>
+              </a:ext>
+            </a:extLst>
+          </p:cNvPr>
+          <p:cNvPicPr>
+            <a:picLocks noChangeAspect="1"/>
+          </p:cNvPicPr>
+          <p:nvPr/>
+        </p:nvPicPr>
+        <p:blipFill>
+          <a:blip r:embed="rId2"/>
+          <a:stretch>
+            <a:fillRect/>
+          </a:stretch>
+        </p:blipFill>
+        <p:spPr>
+          <a:xfrm>
+            <a:off x="6199064" y="1310929"/>
+            <a:ext cx="5520223" cy="3572290"/>
+          </a:xfrm>
+          <a:prstGeom prst="rect">
+            <a:avLst/>
+          </a:prstGeom>
+        </p:spPr>
+      </p:pic>
+      <p:pic>
+        <p:nvPicPr>
+          <p:cNvPr id="7" name="Picture 6">
+            <a:extLst>
+              <a:ext uri="{FF2B5EF4-FFF2-40B4-BE49-F238E27FC236}">
+                <a16:creationId xmlns:a16="http://schemas.microsoft.com/office/drawing/2014/main" id="{B43F1679-9DD1-F962-3568-EBC50E2DB0E1}"/>
+              </a:ext>
+            </a:extLst>
+          </p:cNvPr>
+          <p:cNvPicPr>
+            <a:picLocks noChangeAspect="1"/>
+          </p:cNvPicPr>
+          <p:nvPr/>
+        </p:nvPicPr>
+        <p:blipFill>
+          <a:blip r:embed="rId3"/>
+          <a:stretch>
+            <a:fillRect/>
+          </a:stretch>
+        </p:blipFill>
+        <p:spPr>
+          <a:xfrm>
+            <a:off x="472713" y="1317026"/>
+            <a:ext cx="5523760" cy="3572291"/>
+          </a:xfrm>
+          <a:prstGeom prst="rect">
+            <a:avLst/>
+          </a:prstGeom>
+        </p:spPr>
+      </p:pic>
+    </p:spTree>
+    <p:extLst>
+      <p:ext uri="{BB962C8B-B14F-4D97-AF65-F5344CB8AC3E}">
+        <p14:creationId xmlns:p14="http://schemas.microsoft.com/office/powerpoint/2010/main" val="3312188412"/>
       </p:ext>
     </p:extLst>
   </p:cSld>

--- a/TPB test calibration/TPB test.pptx
+++ b/TPB test calibration/TPB test.pptx
@@ -5,7 +5,7 @@
     <p:sldMasterId id="2147483648" r:id="rId1"/>
   </p:sldMasterIdLst>
   <p:notesMasterIdLst>
-    <p:notesMasterId r:id="rId9"/>
+    <p:notesMasterId r:id="rId10"/>
   </p:notesMasterIdLst>
   <p:sldIdLst>
     <p:sldId id="258" r:id="rId2"/>
@@ -14,7 +14,8 @@
     <p:sldId id="260" r:id="rId5"/>
     <p:sldId id="261" r:id="rId6"/>
     <p:sldId id="257" r:id="rId7"/>
-    <p:sldId id="263" r:id="rId8"/>
+    <p:sldId id="264" r:id="rId8"/>
+    <p:sldId id="263" r:id="rId9"/>
   </p:sldIdLst>
   <p:sldSz cx="12192000" cy="6858000"/>
   <p:notesSz cx="6858000" cy="9144000"/>
@@ -3948,6 +3949,113 @@
           </a:p>
         </p:txBody>
       </p:sp>
+      <p:pic>
+        <p:nvPicPr>
+          <p:cNvPr id="3" name="Picture 2">
+            <a:extLst>
+              <a:ext uri="{FF2B5EF4-FFF2-40B4-BE49-F238E27FC236}">
+                <a16:creationId xmlns:a16="http://schemas.microsoft.com/office/drawing/2014/main" id="{CF163CFC-143C-4FCA-EDE4-FF69632FD54D}"/>
+              </a:ext>
+            </a:extLst>
+          </p:cNvPr>
+          <p:cNvPicPr>
+            <a:picLocks noChangeAspect="1"/>
+          </p:cNvPicPr>
+          <p:nvPr/>
+        </p:nvPicPr>
+        <p:blipFill>
+          <a:blip r:embed="rId3"/>
+          <a:stretch>
+            <a:fillRect/>
+          </a:stretch>
+        </p:blipFill>
+        <p:spPr>
+          <a:xfrm>
+            <a:off x="4799905" y="4189590"/>
+            <a:ext cx="3413283" cy="2346905"/>
+          </a:xfrm>
+          <a:prstGeom prst="rect">
+            <a:avLst/>
+          </a:prstGeom>
+        </p:spPr>
+      </p:pic>
+      <p:cxnSp>
+        <p:nvCxnSpPr>
+          <p:cNvPr id="10" name="Straight Connector 9">
+            <a:extLst>
+              <a:ext uri="{FF2B5EF4-FFF2-40B4-BE49-F238E27FC236}">
+                <a16:creationId xmlns:a16="http://schemas.microsoft.com/office/drawing/2014/main" id="{35F6B201-818C-CF5B-E893-EF18C59DF4E6}"/>
+              </a:ext>
+            </a:extLst>
+          </p:cNvPr>
+          <p:cNvCxnSpPr/>
+          <p:nvPr/>
+        </p:nvCxnSpPr>
+        <p:spPr>
+          <a:xfrm>
+            <a:off x="5316090" y="4829492"/>
+            <a:ext cx="0" cy="1165809"/>
+          </a:xfrm>
+          <a:prstGeom prst="line">
+            <a:avLst/>
+          </a:prstGeom>
+          <a:ln w="12700">
+            <a:prstDash val="dash"/>
+          </a:ln>
+        </p:spPr>
+        <p:style>
+          <a:lnRef idx="1">
+            <a:schemeClr val="accent2"/>
+          </a:lnRef>
+          <a:fillRef idx="0">
+            <a:schemeClr val="accent2"/>
+          </a:fillRef>
+          <a:effectRef idx="0">
+            <a:schemeClr val="accent2"/>
+          </a:effectRef>
+          <a:fontRef idx="minor">
+            <a:schemeClr val="tx1"/>
+          </a:fontRef>
+        </p:style>
+      </p:cxnSp>
+      <p:sp>
+        <p:nvSpPr>
+          <p:cNvPr id="12" name="TextBox 11">
+            <a:extLst>
+              <a:ext uri="{FF2B5EF4-FFF2-40B4-BE49-F238E27FC236}">
+                <a16:creationId xmlns:a16="http://schemas.microsoft.com/office/drawing/2014/main" id="{2E5C3176-DD6F-0253-63C2-6E36E927DC50}"/>
+              </a:ext>
+            </a:extLst>
+          </p:cNvPr>
+          <p:cNvSpPr txBox="1"/>
+          <p:nvPr/>
+        </p:nvSpPr>
+        <p:spPr>
+          <a:xfrm>
+            <a:off x="5200815" y="5941222"/>
+            <a:ext cx="544100" cy="261610"/>
+          </a:xfrm>
+          <a:prstGeom prst="rect">
+            <a:avLst/>
+          </a:prstGeom>
+          <a:noFill/>
+        </p:spPr>
+        <p:txBody>
+          <a:bodyPr wrap="square">
+            <a:spAutoFit/>
+          </a:bodyPr>
+          <a:lstStyle/>
+          <a:p>
+            <a:r>
+              <a:rPr lang="en-US" sz="1100" dirty="0">
+                <a:latin typeface="Times New Roman" panose="02020603050405020304" pitchFamily="18" charset="0"/>
+                <a:cs typeface="Times New Roman" panose="02020603050405020304" pitchFamily="18" charset="0"/>
+              </a:rPr>
+              <a:t>0.002</a:t>
+            </a:r>
+          </a:p>
+        </p:txBody>
+      </p:sp>
     </p:spTree>
     <p:extLst>
       <p:ext uri="{BB962C8B-B14F-4D97-AF65-F5344CB8AC3E}">
@@ -4705,8 +4813,8 @@
           <a:chExt cx="0" cy="0"/>
         </a:xfrm>
       </p:grpSpPr>
-      <mc:AlternateContent xmlns:mc="http://schemas.openxmlformats.org/markup-compatibility/2006" xmlns:a14="http://schemas.microsoft.com/office/drawing/2010/main">
-        <mc:Choice Requires="a14">
+      <mc:AlternateContent xmlns:mc="http://schemas.openxmlformats.org/markup-compatibility/2006">
+        <mc:Choice xmlns:a14="http://schemas.microsoft.com/office/drawing/2010/main" Requires="a14">
           <p:sp>
             <p:nvSpPr>
               <p:cNvPr id="5" name="TextBox 4">
@@ -4790,7 +4898,7 @@
               <a:p>
                 <a:r>
                   <a:rPr lang="en-US" dirty="0"/>
-                  <a:t>Young’s Modules E: 20000 MPa;</a:t>
+                  <a:t>Young’s Modules E: 200000 MPa;</a:t>
                 </a:r>
               </a:p>
               <a:p>
@@ -4859,7 +4967,7 @@
             </p:txBody>
           </p:sp>
         </mc:Choice>
-        <mc:Fallback xmlns="">
+        <mc:Fallback>
           <p:sp>
             <p:nvSpPr>
               <p:cNvPr id="5" name="TextBox 4">
@@ -5414,6 +5522,346 @@
 </file>
 
 <file path=ppt/slides/slide7.xml><?xml version="1.0" encoding="utf-8"?>
+<p:sld xmlns:a="http://schemas.openxmlformats.org/drawingml/2006/main" xmlns:r="http://schemas.openxmlformats.org/officeDocument/2006/relationships" xmlns:p="http://schemas.openxmlformats.org/presentationml/2006/main">
+  <p:cSld>
+    <p:spTree>
+      <p:nvGrpSpPr>
+        <p:cNvPr id="1" name=""/>
+        <p:cNvGrpSpPr/>
+        <p:nvPr/>
+      </p:nvGrpSpPr>
+      <p:grpSpPr>
+        <a:xfrm>
+          <a:off x="0" y="0"/>
+          <a:ext cx="0" cy="0"/>
+          <a:chOff x="0" y="0"/>
+          <a:chExt cx="0" cy="0"/>
+        </a:xfrm>
+      </p:grpSpPr>
+      <p:pic>
+        <p:nvPicPr>
+          <p:cNvPr id="3" name="Picture 2">
+            <a:extLst>
+              <a:ext uri="{FF2B5EF4-FFF2-40B4-BE49-F238E27FC236}">
+                <a16:creationId xmlns:a16="http://schemas.microsoft.com/office/drawing/2014/main" id="{8BC77CEE-977F-D936-F7FF-67E32BCCFC5D}"/>
+              </a:ext>
+            </a:extLst>
+          </p:cNvPr>
+          <p:cNvPicPr>
+            <a:picLocks noChangeAspect="1"/>
+          </p:cNvPicPr>
+          <p:nvPr/>
+        </p:nvPicPr>
+        <p:blipFill>
+          <a:blip r:embed="rId2"/>
+          <a:stretch>
+            <a:fillRect/>
+          </a:stretch>
+        </p:blipFill>
+        <p:spPr>
+          <a:xfrm>
+            <a:off x="538066" y="2112567"/>
+            <a:ext cx="10576333" cy="4107841"/>
+          </a:xfrm>
+          <a:prstGeom prst="rect">
+            <a:avLst/>
+          </a:prstGeom>
+        </p:spPr>
+      </p:pic>
+      <p:sp>
+        <p:nvSpPr>
+          <p:cNvPr id="4" name="TextBox 3">
+            <a:extLst>
+              <a:ext uri="{FF2B5EF4-FFF2-40B4-BE49-F238E27FC236}">
+                <a16:creationId xmlns:a16="http://schemas.microsoft.com/office/drawing/2014/main" id="{07D9CC0F-325D-67FC-182C-4C7E3386E4BF}"/>
+              </a:ext>
+            </a:extLst>
+          </p:cNvPr>
+          <p:cNvSpPr txBox="1"/>
+          <p:nvPr/>
+        </p:nvSpPr>
+        <p:spPr>
+          <a:xfrm>
+            <a:off x="789992" y="387420"/>
+            <a:ext cx="6096000" cy="1477328"/>
+          </a:xfrm>
+          <a:prstGeom prst="rect">
+            <a:avLst/>
+          </a:prstGeom>
+          <a:noFill/>
+        </p:spPr>
+        <p:txBody>
+          <a:bodyPr wrap="square">
+            <a:spAutoFit/>
+          </a:bodyPr>
+          <a:lstStyle/>
+          <a:p>
+            <a:r>
+              <a:rPr lang="en-US" sz="1800" b="1" dirty="0"/>
+              <a:t>Boundary Condition</a:t>
+            </a:r>
+          </a:p>
+          <a:p>
+            <a:endParaRPr lang="en-US" b="1" dirty="0"/>
+          </a:p>
+          <a:p>
+            <a:r>
+              <a:rPr lang="en-US" dirty="0"/>
+              <a:t>RP-1: dx = 0;  </a:t>
+            </a:r>
+            <a:r>
+              <a:rPr lang="en-US" dirty="0" err="1"/>
+              <a:t>dz</a:t>
+            </a:r>
+            <a:r>
+              <a:rPr lang="en-US" dirty="0"/>
+              <a:t> = applied displacement</a:t>
+            </a:r>
+          </a:p>
+          <a:p>
+            <a:r>
+              <a:rPr lang="en-US" dirty="0"/>
+              <a:t>RP-2: </a:t>
+            </a:r>
+            <a:r>
+              <a:rPr lang="en-US" dirty="0" err="1"/>
+              <a:t>dz</a:t>
+            </a:r>
+            <a:r>
+              <a:rPr lang="en-US" dirty="0"/>
+              <a:t> = 0</a:t>
+            </a:r>
+          </a:p>
+          <a:p>
+            <a:r>
+              <a:rPr lang="en-US" dirty="0"/>
+              <a:t>RP-3: </a:t>
+            </a:r>
+            <a:r>
+              <a:rPr lang="en-US" dirty="0" err="1"/>
+              <a:t>dz</a:t>
+            </a:r>
+            <a:r>
+              <a:rPr lang="en-US" dirty="0"/>
+              <a:t> = 0</a:t>
+            </a:r>
+          </a:p>
+        </p:txBody>
+      </p:sp>
+      <p:sp>
+        <p:nvSpPr>
+          <p:cNvPr id="5" name="Isosceles Triangle 4">
+            <a:extLst>
+              <a:ext uri="{FF2B5EF4-FFF2-40B4-BE49-F238E27FC236}">
+                <a16:creationId xmlns:a16="http://schemas.microsoft.com/office/drawing/2014/main" id="{9D734DE5-31F9-0927-DD3D-D60F675B6BB2}"/>
+              </a:ext>
+            </a:extLst>
+          </p:cNvPr>
+          <p:cNvSpPr/>
+          <p:nvPr/>
+        </p:nvSpPr>
+        <p:spPr>
+          <a:xfrm>
+            <a:off x="1027837" y="5570375"/>
+            <a:ext cx="242596" cy="279919"/>
+          </a:xfrm>
+          <a:prstGeom prst="triangle">
+            <a:avLst/>
+          </a:prstGeom>
+          <a:solidFill>
+            <a:srgbClr val="FF0000"/>
+          </a:solidFill>
+          <a:ln>
+            <a:noFill/>
+          </a:ln>
+        </p:spPr>
+        <p:style>
+          <a:lnRef idx="2">
+            <a:schemeClr val="accent1">
+              <a:shade val="15000"/>
+            </a:schemeClr>
+          </a:lnRef>
+          <a:fillRef idx="1">
+            <a:schemeClr val="accent1"/>
+          </a:fillRef>
+          <a:effectRef idx="0">
+            <a:schemeClr val="accent1"/>
+          </a:effectRef>
+          <a:fontRef idx="minor">
+            <a:schemeClr val="lt1"/>
+          </a:fontRef>
+        </p:style>
+        <p:txBody>
+          <a:bodyPr rtlCol="0" anchor="ctr"/>
+          <a:lstStyle/>
+          <a:p>
+            <a:pPr algn="ctr"/>
+            <a:endParaRPr lang="en-US"/>
+          </a:p>
+        </p:txBody>
+      </p:sp>
+      <p:sp>
+        <p:nvSpPr>
+          <p:cNvPr id="6" name="Isosceles Triangle 5">
+            <a:extLst>
+              <a:ext uri="{FF2B5EF4-FFF2-40B4-BE49-F238E27FC236}">
+                <a16:creationId xmlns:a16="http://schemas.microsoft.com/office/drawing/2014/main" id="{54E61474-F00E-BEF0-80F2-AB3049EA1E90}"/>
+              </a:ext>
+            </a:extLst>
+          </p:cNvPr>
+          <p:cNvSpPr/>
+          <p:nvPr/>
+        </p:nvSpPr>
+        <p:spPr>
+          <a:xfrm>
+            <a:off x="9895029" y="4590661"/>
+            <a:ext cx="242596" cy="279919"/>
+          </a:xfrm>
+          <a:prstGeom prst="triangle">
+            <a:avLst/>
+          </a:prstGeom>
+          <a:solidFill>
+            <a:srgbClr val="FF0000"/>
+          </a:solidFill>
+          <a:ln>
+            <a:noFill/>
+          </a:ln>
+        </p:spPr>
+        <p:style>
+          <a:lnRef idx="2">
+            <a:schemeClr val="accent1">
+              <a:shade val="15000"/>
+            </a:schemeClr>
+          </a:lnRef>
+          <a:fillRef idx="1">
+            <a:schemeClr val="accent1"/>
+          </a:fillRef>
+          <a:effectRef idx="0">
+            <a:schemeClr val="accent1"/>
+          </a:effectRef>
+          <a:fontRef idx="minor">
+            <a:schemeClr val="lt1"/>
+          </a:fontRef>
+        </p:style>
+        <p:txBody>
+          <a:bodyPr rtlCol="0" anchor="ctr"/>
+          <a:lstStyle/>
+          <a:p>
+            <a:pPr algn="ctr"/>
+            <a:endParaRPr lang="en-US"/>
+          </a:p>
+        </p:txBody>
+      </p:sp>
+      <p:sp>
+        <p:nvSpPr>
+          <p:cNvPr id="8" name="Isosceles Triangle 7">
+            <a:extLst>
+              <a:ext uri="{FF2B5EF4-FFF2-40B4-BE49-F238E27FC236}">
+                <a16:creationId xmlns:a16="http://schemas.microsoft.com/office/drawing/2014/main" id="{FAA0F3FA-C025-A0FA-8D1C-2C52507C4294}"/>
+              </a:ext>
+            </a:extLst>
+          </p:cNvPr>
+          <p:cNvSpPr/>
+          <p:nvPr/>
+        </p:nvSpPr>
+        <p:spPr>
+          <a:xfrm rot="4958160">
+            <a:off x="5704933" y="2811626"/>
+            <a:ext cx="242596" cy="279919"/>
+          </a:xfrm>
+          <a:prstGeom prst="triangle">
+            <a:avLst/>
+          </a:prstGeom>
+          <a:solidFill>
+            <a:srgbClr val="FF0000"/>
+          </a:solidFill>
+          <a:ln>
+            <a:noFill/>
+          </a:ln>
+        </p:spPr>
+        <p:style>
+          <a:lnRef idx="2">
+            <a:schemeClr val="accent1">
+              <a:shade val="15000"/>
+            </a:schemeClr>
+          </a:lnRef>
+          <a:fillRef idx="1">
+            <a:schemeClr val="accent1"/>
+          </a:fillRef>
+          <a:effectRef idx="0">
+            <a:schemeClr val="accent1"/>
+          </a:effectRef>
+          <a:fontRef idx="minor">
+            <a:schemeClr val="lt1"/>
+          </a:fontRef>
+        </p:style>
+        <p:txBody>
+          <a:bodyPr rtlCol="0" anchor="ctr"/>
+          <a:lstStyle/>
+          <a:p>
+            <a:pPr algn="ctr"/>
+            <a:endParaRPr lang="en-US"/>
+          </a:p>
+        </p:txBody>
+      </p:sp>
+      <p:cxnSp>
+        <p:nvCxnSpPr>
+          <p:cNvPr id="12" name="Straight Arrow Connector 11">
+            <a:extLst>
+              <a:ext uri="{FF2B5EF4-FFF2-40B4-BE49-F238E27FC236}">
+                <a16:creationId xmlns:a16="http://schemas.microsoft.com/office/drawing/2014/main" id="{1F5E539D-2890-2787-69A4-E37EA762BDDD}"/>
+              </a:ext>
+            </a:extLst>
+          </p:cNvPr>
+          <p:cNvCxnSpPr>
+            <a:cxnSpLocks/>
+          </p:cNvCxnSpPr>
+          <p:nvPr/>
+        </p:nvCxnSpPr>
+        <p:spPr>
+          <a:xfrm>
+            <a:off x="5995797" y="2332654"/>
+            <a:ext cx="0" cy="553616"/>
+          </a:xfrm>
+          <a:prstGeom prst="straightConnector1">
+            <a:avLst/>
+          </a:prstGeom>
+          <a:ln w="57150">
+            <a:solidFill>
+              <a:srgbClr val="FF0000"/>
+            </a:solidFill>
+            <a:tailEnd type="triangle"/>
+          </a:ln>
+        </p:spPr>
+        <p:style>
+          <a:lnRef idx="1">
+            <a:schemeClr val="accent1"/>
+          </a:lnRef>
+          <a:fillRef idx="0">
+            <a:schemeClr val="accent1"/>
+          </a:fillRef>
+          <a:effectRef idx="0">
+            <a:schemeClr val="accent1"/>
+          </a:effectRef>
+          <a:fontRef idx="minor">
+            <a:schemeClr val="tx1"/>
+          </a:fontRef>
+        </p:style>
+      </p:cxnSp>
+    </p:spTree>
+    <p:extLst>
+      <p:ext uri="{BB962C8B-B14F-4D97-AF65-F5344CB8AC3E}">
+        <p14:creationId xmlns:p14="http://schemas.microsoft.com/office/powerpoint/2010/main" val="1195040621"/>
+      </p:ext>
+    </p:extLst>
+  </p:cSld>
+  <p:clrMapOvr>
+    <a:masterClrMapping/>
+  </p:clrMapOvr>
+</p:sld>
+</file>
+
+<file path=ppt/slides/slide8.xml><?xml version="1.0" encoding="utf-8"?>
 <p:sld xmlns:a="http://schemas.openxmlformats.org/drawingml/2006/main" xmlns:r="http://schemas.openxmlformats.org/officeDocument/2006/relationships" xmlns:p="http://schemas.openxmlformats.org/presentationml/2006/main">
   <p:cSld>
     <p:spTree>
